--- a/src/test/resources/ppt/Logging.pptx
+++ b/src/test/resources/ppt/Logging.pptx
@@ -3068,7 +3068,15 @@
             </a:br>
             <a:r>
               <a:rPr lang="en-US" sz="2400" dirty="0" smtClean="0"/>
-              <a:t>JCAT logs</a:t>
+              <a:t>Cat log offline </a:t>
+            </a:r>
+            <a:r>
+              <a:rPr lang="en-US" sz="2400" dirty="0" smtClean="0"/>
+              <a:t>HTML report </a:t>
+            </a:r>
+            <a:r>
+              <a:rPr lang="en-US" sz="2400" dirty="0" smtClean="0"/>
+              <a:t>overview</a:t>
             </a:r>
             <a:br>
               <a:rPr lang="en-US" sz="2400" dirty="0" smtClean="0"/>
@@ -3081,8 +3089,8 @@
               <a:rPr lang="en-US" sz="2400" dirty="0" smtClean="0"/>
             </a:br>
             <a:r>
-              <a:rPr lang="en-US" sz="2400" dirty="0" smtClean="0"/>
-              <a:t>Log writers</a:t>
+              <a:rPr lang="en-US" sz="2400" smtClean="0"/>
+              <a:t>Log writers(TPT report)</a:t>
             </a:r>
             <a:endParaRPr lang="ru-RU" sz="2400" dirty="0"/>
           </a:p>

--- a/src/test/resources/ppt/Logging.pptx
+++ b/src/test/resources/ppt/Logging.pptx
@@ -7,6 +7,7 @@
   <p:sldIdLst>
     <p:sldId id="256" r:id="rId2"/>
     <p:sldId id="257" r:id="rId3"/>
+    <p:sldId id="258" r:id="rId4"/>
   </p:sldIdLst>
   <p:sldSz cx="12192000" cy="6858000"/>
   <p:notesSz cx="6858000" cy="9144000"/>
@@ -105,6 +106,11 @@
       </a:defRPr>
     </a:lvl9pPr>
   </p:defaultTextStyle>
+  <p:extLst>
+    <p:ext uri="{EFAFB233-063F-42B5-8137-9DF3F51BA10A}">
+      <p15:sldGuideLst xmlns:p15="http://schemas.microsoft.com/office/powerpoint/2012/main"/>
+    </p:ext>
+  </p:extLst>
 </p:presentation>
 </file>
 
@@ -239,7 +245,7 @@
           <a:p>
             <a:fld id="{E4438EB3-2FD2-4137-A016-5C4A61188CA2}" type="datetimeFigureOut">
               <a:rPr lang="ru-RU" smtClean="0"/>
-              <a:t>04.09.2018</a:t>
+              <a:t>29.09.2018</a:t>
             </a:fld>
             <a:endParaRPr lang="ru-RU"/>
           </a:p>
@@ -409,7 +415,7 @@
           <a:p>
             <a:fld id="{E4438EB3-2FD2-4137-A016-5C4A61188CA2}" type="datetimeFigureOut">
               <a:rPr lang="ru-RU" smtClean="0"/>
-              <a:t>04.09.2018</a:t>
+              <a:t>29.09.2018</a:t>
             </a:fld>
             <a:endParaRPr lang="ru-RU"/>
           </a:p>
@@ -589,7 +595,7 @@
           <a:p>
             <a:fld id="{E4438EB3-2FD2-4137-A016-5C4A61188CA2}" type="datetimeFigureOut">
               <a:rPr lang="ru-RU" smtClean="0"/>
-              <a:t>04.09.2018</a:t>
+              <a:t>29.09.2018</a:t>
             </a:fld>
             <a:endParaRPr lang="ru-RU"/>
           </a:p>
@@ -759,7 +765,7 @@
           <a:p>
             <a:fld id="{E4438EB3-2FD2-4137-A016-5C4A61188CA2}" type="datetimeFigureOut">
               <a:rPr lang="ru-RU" smtClean="0"/>
-              <a:t>04.09.2018</a:t>
+              <a:t>29.09.2018</a:t>
             </a:fld>
             <a:endParaRPr lang="ru-RU"/>
           </a:p>
@@ -1005,7 +1011,7 @@
           <a:p>
             <a:fld id="{E4438EB3-2FD2-4137-A016-5C4A61188CA2}" type="datetimeFigureOut">
               <a:rPr lang="ru-RU" smtClean="0"/>
-              <a:t>04.09.2018</a:t>
+              <a:t>29.09.2018</a:t>
             </a:fld>
             <a:endParaRPr lang="ru-RU"/>
           </a:p>
@@ -1237,7 +1243,7 @@
           <a:p>
             <a:fld id="{E4438EB3-2FD2-4137-A016-5C4A61188CA2}" type="datetimeFigureOut">
               <a:rPr lang="ru-RU" smtClean="0"/>
-              <a:t>04.09.2018</a:t>
+              <a:t>29.09.2018</a:t>
             </a:fld>
             <a:endParaRPr lang="ru-RU"/>
           </a:p>
@@ -1604,7 +1610,7 @@
           <a:p>
             <a:fld id="{E4438EB3-2FD2-4137-A016-5C4A61188CA2}" type="datetimeFigureOut">
               <a:rPr lang="ru-RU" smtClean="0"/>
-              <a:t>04.09.2018</a:t>
+              <a:t>29.09.2018</a:t>
             </a:fld>
             <a:endParaRPr lang="ru-RU"/>
           </a:p>
@@ -1722,7 +1728,7 @@
           <a:p>
             <a:fld id="{E4438EB3-2FD2-4137-A016-5C4A61188CA2}" type="datetimeFigureOut">
               <a:rPr lang="ru-RU" smtClean="0"/>
-              <a:t>04.09.2018</a:t>
+              <a:t>29.09.2018</a:t>
             </a:fld>
             <a:endParaRPr lang="ru-RU"/>
           </a:p>
@@ -1817,7 +1823,7 @@
           <a:p>
             <a:fld id="{E4438EB3-2FD2-4137-A016-5C4A61188CA2}" type="datetimeFigureOut">
               <a:rPr lang="ru-RU" smtClean="0"/>
-              <a:t>04.09.2018</a:t>
+              <a:t>29.09.2018</a:t>
             </a:fld>
             <a:endParaRPr lang="ru-RU"/>
           </a:p>
@@ -2094,7 +2100,7 @@
           <a:p>
             <a:fld id="{E4438EB3-2FD2-4137-A016-5C4A61188CA2}" type="datetimeFigureOut">
               <a:rPr lang="ru-RU" smtClean="0"/>
-              <a:t>04.09.2018</a:t>
+              <a:t>29.09.2018</a:t>
             </a:fld>
             <a:endParaRPr lang="ru-RU"/>
           </a:p>
@@ -2347,7 +2353,7 @@
           <a:p>
             <a:fld id="{E4438EB3-2FD2-4137-A016-5C4A61188CA2}" type="datetimeFigureOut">
               <a:rPr lang="ru-RU" smtClean="0"/>
-              <a:t>04.09.2018</a:t>
+              <a:t>29.09.2018</a:t>
             </a:fld>
             <a:endParaRPr lang="ru-RU"/>
           </a:p>
@@ -2560,7 +2566,7 @@
           <a:p>
             <a:fld id="{E4438EB3-2FD2-4137-A016-5C4A61188CA2}" type="datetimeFigureOut">
               <a:rPr lang="ru-RU" smtClean="0"/>
-              <a:t>04.09.2018</a:t>
+              <a:t>29.09.2018</a:t>
             </a:fld>
             <a:endParaRPr lang="ru-RU"/>
           </a:p>
@@ -3030,8 +3036,8 @@
         </p:nvSpPr>
         <p:spPr>
           <a:xfrm>
-            <a:off x="655608" y="293298"/>
-            <a:ext cx="10012392" cy="5753819"/>
+            <a:off x="655608" y="1570008"/>
+            <a:ext cx="10903788" cy="4477109"/>
           </a:xfrm>
         </p:spPr>
         <p:txBody>
@@ -3042,57 +3048,605 @@
           <a:p>
             <a:pPr algn="l"/>
             <a:r>
-              <a:rPr lang="en-US" sz="2400" dirty="0" smtClean="0"/>
-              <a:t>What is logging needed for?</a:t>
-            </a:r>
-            <a:r>
-              <a:rPr lang="ru-RU" sz="2400" dirty="0" smtClean="0"/>
+              <a:rPr lang="ru-RU" altLang="ru-RU" sz="2400" dirty="0" smtClean="0">
+                <a:solidFill>
+                  <a:srgbClr val="000000"/>
+                </a:solidFill>
+                <a:latin typeface="+mn-lt"/>
+                <a:cs typeface="Courier New" panose="02070309020205020404" pitchFamily="49" charset="0"/>
+              </a:rPr>
+              <a:t>API </a:t>
+            </a:r>
+            <a:r>
+              <a:rPr lang="ru-RU" altLang="ru-RU" sz="2400" dirty="0" err="1">
+                <a:solidFill>
+                  <a:srgbClr val="000000"/>
+                </a:solidFill>
+                <a:latin typeface="+mn-lt"/>
+                <a:cs typeface="Courier New" panose="02070309020205020404" pitchFamily="49" charset="0"/>
+              </a:rPr>
+              <a:t>log</a:t>
+            </a:r>
+            <a:r>
+              <a:rPr lang="ru-RU" altLang="ru-RU" sz="2400" dirty="0">
+                <a:solidFill>
+                  <a:srgbClr val="000000"/>
+                </a:solidFill>
+                <a:latin typeface="+mn-lt"/>
+                <a:cs typeface="Courier New" panose="02070309020205020404" pitchFamily="49" charset="0"/>
+              </a:rPr>
+              <a:t> </a:t>
+            </a:r>
+            <a:r>
+              <a:rPr lang="ru-RU" altLang="ru-RU" sz="2400" dirty="0" err="1" smtClean="0">
+                <a:solidFill>
+                  <a:srgbClr val="000000"/>
+                </a:solidFill>
+                <a:latin typeface="+mn-lt"/>
+                <a:cs typeface="Courier New" panose="02070309020205020404" pitchFamily="49" charset="0"/>
+              </a:rPr>
+              <a:t>levels</a:t>
+            </a:r>
+            <a:r>
+              <a:rPr lang="en-US" altLang="ru-RU" sz="2400" dirty="0" smtClean="0">
+                <a:solidFill>
+                  <a:srgbClr val="000000"/>
+                </a:solidFill>
+                <a:latin typeface="+mn-lt"/>
+                <a:cs typeface="Courier New" panose="02070309020205020404" pitchFamily="49" charset="0"/>
+              </a:rPr>
               <a:t/>
             </a:r>
             <a:br>
-              <a:rPr lang="ru-RU" sz="2400" dirty="0" smtClean="0"/>
+              <a:rPr lang="en-US" altLang="ru-RU" sz="2400" dirty="0" smtClean="0">
+                <a:solidFill>
+                  <a:srgbClr val="000000"/>
+                </a:solidFill>
+                <a:latin typeface="+mn-lt"/>
+                <a:cs typeface="Courier New" panose="02070309020205020404" pitchFamily="49" charset="0"/>
+              </a:rPr>
             </a:br>
             <a:r>
-              <a:rPr lang="en-US" sz="2400" dirty="0" smtClean="0"/>
-              <a:t>JCAT FW logging features</a:t>
+              <a:rPr lang="en-US" altLang="ru-RU" sz="2400" dirty="0" smtClean="0">
+                <a:solidFill>
+                  <a:srgbClr val="000000"/>
+                </a:solidFill>
+                <a:latin typeface="+mn-lt"/>
+                <a:cs typeface="Courier New" panose="02070309020205020404" pitchFamily="49" charset="0"/>
+              </a:rPr>
+              <a:t>VM </a:t>
+            </a:r>
+            <a:r>
+              <a:rPr lang="en-US" altLang="ru-RU" sz="2400" dirty="0" err="1" smtClean="0">
+                <a:solidFill>
+                  <a:srgbClr val="000000"/>
+                </a:solidFill>
+                <a:latin typeface="+mn-lt"/>
+                <a:cs typeface="Courier New" panose="02070309020205020404" pitchFamily="49" charset="0"/>
+              </a:rPr>
+              <a:t>args</a:t>
+            </a:r>
+            <a:r>
+              <a:rPr lang="ru-RU" altLang="ru-RU" sz="2400" dirty="0">
+                <a:solidFill>
+                  <a:srgbClr val="000000"/>
+                </a:solidFill>
+                <a:latin typeface="+mn-lt"/>
+                <a:cs typeface="Courier New" panose="02070309020205020404" pitchFamily="49" charset="0"/>
+              </a:rPr>
+              <a:t/>
             </a:r>
             <a:br>
-              <a:rPr lang="en-US" sz="2400" dirty="0" smtClean="0"/>
+              <a:rPr lang="ru-RU" altLang="ru-RU" sz="2400" dirty="0">
+                <a:solidFill>
+                  <a:srgbClr val="000000"/>
+                </a:solidFill>
+                <a:latin typeface="+mn-lt"/>
+                <a:cs typeface="Courier New" panose="02070309020205020404" pitchFamily="49" charset="0"/>
+              </a:rPr>
             </a:br>
             <a:r>
-              <a:rPr lang="en-US" sz="2400" dirty="0" smtClean="0"/>
-              <a:t>Basic logging API</a:t>
+              <a:rPr lang="ru-RU" altLang="ru-RU" sz="2400" dirty="0" err="1">
+                <a:solidFill>
+                  <a:srgbClr val="000000"/>
+                </a:solidFill>
+                <a:latin typeface="+mn-lt"/>
+                <a:cs typeface="Courier New" panose="02070309020205020404" pitchFamily="49" charset="0"/>
+              </a:rPr>
+              <a:t>Protocol</a:t>
+            </a:r>
+            <a:r>
+              <a:rPr lang="ru-RU" altLang="ru-RU" sz="2400" dirty="0">
+                <a:solidFill>
+                  <a:srgbClr val="000000"/>
+                </a:solidFill>
+                <a:latin typeface="+mn-lt"/>
+                <a:cs typeface="Courier New" panose="02070309020205020404" pitchFamily="49" charset="0"/>
+              </a:rPr>
+              <a:t> </a:t>
+            </a:r>
+            <a:r>
+              <a:rPr lang="ru-RU" altLang="ru-RU" sz="2400" dirty="0" err="1">
+                <a:solidFill>
+                  <a:srgbClr val="000000"/>
+                </a:solidFill>
+                <a:latin typeface="+mn-lt"/>
+                <a:cs typeface="Courier New" panose="02070309020205020404" pitchFamily="49" charset="0"/>
+              </a:rPr>
+              <a:t>log</a:t>
+            </a:r>
+            <a:r>
+              <a:rPr lang="ru-RU" altLang="ru-RU" sz="2400" dirty="0">
+                <a:solidFill>
+                  <a:srgbClr val="000000"/>
+                </a:solidFill>
+                <a:latin typeface="+mn-lt"/>
+                <a:cs typeface="Courier New" panose="02070309020205020404" pitchFamily="49" charset="0"/>
+              </a:rPr>
+              <a:t/>
             </a:r>
             <a:br>
-              <a:rPr lang="en-US" sz="2400" dirty="0" smtClean="0"/>
+              <a:rPr lang="ru-RU" altLang="ru-RU" sz="2400" dirty="0">
+                <a:solidFill>
+                  <a:srgbClr val="000000"/>
+                </a:solidFill>
+                <a:latin typeface="+mn-lt"/>
+                <a:cs typeface="Courier New" panose="02070309020205020404" pitchFamily="49" charset="0"/>
+              </a:rPr>
             </a:br>
             <a:r>
-              <a:rPr lang="en-US" sz="2400" dirty="0" smtClean="0"/>
-              <a:t>Cat log offline </a:t>
-            </a:r>
-            <a:r>
-              <a:rPr lang="en-US" sz="2400" dirty="0" smtClean="0"/>
-              <a:t>HTML report </a:t>
-            </a:r>
-            <a:r>
-              <a:rPr lang="en-US" sz="2400" dirty="0" smtClean="0"/>
+              <a:rPr lang="ru-RU" altLang="ru-RU" sz="2400" dirty="0" err="1" smtClean="0">
+                <a:solidFill>
+                  <a:srgbClr val="000000"/>
+                </a:solidFill>
+                <a:latin typeface="+mn-lt"/>
+                <a:cs typeface="Courier New" panose="02070309020205020404" pitchFamily="49" charset="0"/>
+              </a:rPr>
+              <a:t>Log</a:t>
+            </a:r>
+            <a:r>
+              <a:rPr lang="ru-RU" altLang="ru-RU" sz="2400" dirty="0" smtClean="0">
+                <a:solidFill>
+                  <a:srgbClr val="000000"/>
+                </a:solidFill>
+                <a:latin typeface="+mn-lt"/>
+                <a:cs typeface="Courier New" panose="02070309020205020404" pitchFamily="49" charset="0"/>
+              </a:rPr>
+              <a:t> </a:t>
+            </a:r>
+            <a:r>
+              <a:rPr lang="ru-RU" altLang="ru-RU" sz="2400" dirty="0" err="1">
+                <a:solidFill>
+                  <a:srgbClr val="000000"/>
+                </a:solidFill>
+                <a:latin typeface="+mn-lt"/>
+                <a:cs typeface="Courier New" panose="02070309020205020404" pitchFamily="49" charset="0"/>
+              </a:rPr>
+              <a:t>file</a:t>
+            </a:r>
+            <a:r>
+              <a:rPr lang="ru-RU" altLang="ru-RU" sz="2400" dirty="0">
+                <a:solidFill>
+                  <a:srgbClr val="000000"/>
+                </a:solidFill>
+                <a:latin typeface="+mn-lt"/>
+                <a:cs typeface="Courier New" panose="02070309020205020404" pitchFamily="49" charset="0"/>
+              </a:rPr>
+              <a:t> </a:t>
+            </a:r>
+            <a:r>
+              <a:rPr lang="ru-RU" altLang="ru-RU" sz="2400" dirty="0" err="1">
+                <a:solidFill>
+                  <a:srgbClr val="000000"/>
+                </a:solidFill>
+                <a:latin typeface="+mn-lt"/>
+                <a:cs typeface="Courier New" panose="02070309020205020404" pitchFamily="49" charset="0"/>
+              </a:rPr>
               <a:t>overview</a:t>
             </a:r>
+            <a:r>
+              <a:rPr lang="ru-RU" altLang="ru-RU" sz="2400" dirty="0">
+                <a:solidFill>
+                  <a:srgbClr val="000000"/>
+                </a:solidFill>
+                <a:latin typeface="+mn-lt"/>
+                <a:cs typeface="Courier New" panose="02070309020205020404" pitchFamily="49" charset="0"/>
+              </a:rPr>
+              <a:t>(</a:t>
+            </a:r>
+            <a:r>
+              <a:rPr lang="ru-RU" altLang="ru-RU" sz="2400" dirty="0" err="1">
+                <a:solidFill>
+                  <a:srgbClr val="000000"/>
+                </a:solidFill>
+                <a:latin typeface="+mn-lt"/>
+                <a:cs typeface="Courier New" panose="02070309020205020404" pitchFamily="49" charset="0"/>
+              </a:rPr>
+              <a:t>main</a:t>
+            </a:r>
+            <a:r>
+              <a:rPr lang="ru-RU" altLang="ru-RU" sz="2400" dirty="0">
+                <a:solidFill>
+                  <a:srgbClr val="000000"/>
+                </a:solidFill>
+                <a:latin typeface="+mn-lt"/>
+                <a:cs typeface="Courier New" panose="02070309020205020404" pitchFamily="49" charset="0"/>
+              </a:rPr>
+              <a:t> </a:t>
+            </a:r>
+            <a:r>
+              <a:rPr lang="ru-RU" altLang="ru-RU" sz="2400" dirty="0" err="1">
+                <a:solidFill>
+                  <a:srgbClr val="000000"/>
+                </a:solidFill>
+                <a:latin typeface="+mn-lt"/>
+                <a:cs typeface="Courier New" panose="02070309020205020404" pitchFamily="49" charset="0"/>
+              </a:rPr>
+              <a:t>page</a:t>
+            </a:r>
+            <a:r>
+              <a:rPr lang="ru-RU" altLang="ru-RU" sz="2400" dirty="0">
+                <a:solidFill>
+                  <a:srgbClr val="000000"/>
+                </a:solidFill>
+                <a:latin typeface="+mn-lt"/>
+                <a:cs typeface="Courier New" panose="02070309020205020404" pitchFamily="49" charset="0"/>
+              </a:rPr>
+              <a:t> </a:t>
+            </a:r>
+            <a:r>
+              <a:rPr lang="ru-RU" altLang="ru-RU" sz="2400" dirty="0" err="1">
+                <a:solidFill>
+                  <a:srgbClr val="000000"/>
+                </a:solidFill>
+                <a:latin typeface="+mn-lt"/>
+                <a:cs typeface="Courier New" panose="02070309020205020404" pitchFamily="49" charset="0"/>
+              </a:rPr>
+              <a:t>header</a:t>
+            </a:r>
+            <a:r>
+              <a:rPr lang="ru-RU" altLang="ru-RU" sz="2400" dirty="0">
+                <a:solidFill>
+                  <a:srgbClr val="000000"/>
+                </a:solidFill>
+                <a:latin typeface="+mn-lt"/>
+                <a:cs typeface="Courier New" panose="02070309020205020404" pitchFamily="49" charset="0"/>
+              </a:rPr>
+              <a:t>, </a:t>
+            </a:r>
+            <a:r>
+              <a:rPr lang="ru-RU" altLang="ru-RU" sz="2400" dirty="0" err="1">
+                <a:solidFill>
+                  <a:srgbClr val="000000"/>
+                </a:solidFill>
+                <a:latin typeface="+mn-lt"/>
+                <a:cs typeface="Courier New" panose="02070309020205020404" pitchFamily="49" charset="0"/>
+              </a:rPr>
+              <a:t>filters</a:t>
+            </a:r>
+            <a:r>
+              <a:rPr lang="ru-RU" altLang="ru-RU" sz="2400" dirty="0">
+                <a:solidFill>
+                  <a:srgbClr val="000000"/>
+                </a:solidFill>
+                <a:latin typeface="+mn-lt"/>
+                <a:cs typeface="Courier New" panose="02070309020205020404" pitchFamily="49" charset="0"/>
+              </a:rPr>
+              <a:t> </a:t>
+            </a:r>
+            <a:r>
+              <a:rPr lang="ru-RU" altLang="ru-RU" sz="2400" dirty="0" err="1">
+                <a:solidFill>
+                  <a:srgbClr val="000000"/>
+                </a:solidFill>
+                <a:latin typeface="+mn-lt"/>
+                <a:cs typeface="Courier New" panose="02070309020205020404" pitchFamily="49" charset="0"/>
+              </a:rPr>
+              <a:t>columns</a:t>
+            </a:r>
+            <a:r>
+              <a:rPr lang="ru-RU" altLang="ru-RU" sz="2400" dirty="0">
+                <a:solidFill>
+                  <a:srgbClr val="000000"/>
+                </a:solidFill>
+                <a:latin typeface="+mn-lt"/>
+                <a:cs typeface="Courier New" panose="02070309020205020404" pitchFamily="49" charset="0"/>
+              </a:rPr>
+              <a:t>, </a:t>
+            </a:r>
+            <a:r>
+              <a:rPr lang="ru-RU" altLang="ru-RU" sz="2400" dirty="0" err="1">
+                <a:solidFill>
+                  <a:srgbClr val="000000"/>
+                </a:solidFill>
+                <a:latin typeface="+mn-lt"/>
+                <a:cs typeface="Courier New" panose="02070309020205020404" pitchFamily="49" charset="0"/>
+              </a:rPr>
+              <a:t>log</a:t>
+            </a:r>
+            <a:r>
+              <a:rPr lang="ru-RU" altLang="ru-RU" sz="2400" dirty="0">
+                <a:solidFill>
+                  <a:srgbClr val="000000"/>
+                </a:solidFill>
+                <a:latin typeface="+mn-lt"/>
+                <a:cs typeface="Courier New" panose="02070309020205020404" pitchFamily="49" charset="0"/>
+              </a:rPr>
+              <a:t> </a:t>
+            </a:r>
+            <a:r>
+              <a:rPr lang="ru-RU" altLang="ru-RU" sz="2400" dirty="0" err="1">
+                <a:solidFill>
+                  <a:srgbClr val="000000"/>
+                </a:solidFill>
+                <a:latin typeface="+mn-lt"/>
+                <a:cs typeface="Courier New" panose="02070309020205020404" pitchFamily="49" charset="0"/>
+              </a:rPr>
+              <a:t>page</a:t>
+            </a:r>
+            <a:r>
+              <a:rPr lang="ru-RU" altLang="ru-RU" sz="2400" dirty="0">
+                <a:solidFill>
+                  <a:srgbClr val="000000"/>
+                </a:solidFill>
+                <a:latin typeface="+mn-lt"/>
+                <a:cs typeface="Courier New" panose="02070309020205020404" pitchFamily="49" charset="0"/>
+              </a:rPr>
+              <a:t> </a:t>
+            </a:r>
+            <a:r>
+              <a:rPr lang="ru-RU" altLang="ru-RU" sz="2400" dirty="0" err="1">
+                <a:solidFill>
+                  <a:srgbClr val="000000"/>
+                </a:solidFill>
+                <a:latin typeface="+mn-lt"/>
+                <a:cs typeface="Courier New" panose="02070309020205020404" pitchFamily="49" charset="0"/>
+              </a:rPr>
+              <a:t>filters</a:t>
+            </a:r>
+            <a:r>
+              <a:rPr lang="ru-RU" altLang="ru-RU" sz="2400" dirty="0">
+                <a:solidFill>
+                  <a:srgbClr val="000000"/>
+                </a:solidFill>
+                <a:latin typeface="+mn-lt"/>
+                <a:cs typeface="Courier New" panose="02070309020205020404" pitchFamily="49" charset="0"/>
+              </a:rPr>
+              <a:t> </a:t>
+            </a:r>
+            <a:r>
+              <a:rPr lang="ru-RU" altLang="ru-RU" sz="2400" dirty="0" err="1">
+                <a:solidFill>
+                  <a:srgbClr val="000000"/>
+                </a:solidFill>
+                <a:latin typeface="+mn-lt"/>
+                <a:cs typeface="Courier New" panose="02070309020205020404" pitchFamily="49" charset="0"/>
+              </a:rPr>
+              <a:t>columns</a:t>
+            </a:r>
+            <a:r>
+              <a:rPr lang="ru-RU" altLang="ru-RU" sz="2400" dirty="0">
+                <a:solidFill>
+                  <a:srgbClr val="000000"/>
+                </a:solidFill>
+                <a:latin typeface="+mn-lt"/>
+                <a:cs typeface="Courier New" panose="02070309020205020404" pitchFamily="49" charset="0"/>
+              </a:rPr>
+              <a:t>, </a:t>
+            </a:r>
+            <a:r>
+              <a:rPr lang="ru-RU" altLang="ru-RU" sz="2400" dirty="0" err="1">
+                <a:solidFill>
+                  <a:srgbClr val="000000"/>
+                </a:solidFill>
+                <a:latin typeface="+mn-lt"/>
+                <a:cs typeface="Courier New" panose="02070309020205020404" pitchFamily="49" charset="0"/>
+              </a:rPr>
+              <a:t>time</a:t>
+            </a:r>
+            <a:r>
+              <a:rPr lang="ru-RU" altLang="ru-RU" sz="2400" dirty="0">
+                <a:solidFill>
+                  <a:srgbClr val="000000"/>
+                </a:solidFill>
+                <a:latin typeface="+mn-lt"/>
+                <a:cs typeface="Courier New" panose="02070309020205020404" pitchFamily="49" charset="0"/>
+              </a:rPr>
+              <a:t>)</a:t>
+            </a:r>
             <a:br>
-              <a:rPr lang="en-US" sz="2400" dirty="0" smtClean="0"/>
+              <a:rPr lang="ru-RU" altLang="ru-RU" sz="2400" dirty="0">
+                <a:solidFill>
+                  <a:srgbClr val="000000"/>
+                </a:solidFill>
+                <a:latin typeface="+mn-lt"/>
+                <a:cs typeface="Courier New" panose="02070309020205020404" pitchFamily="49" charset="0"/>
+              </a:rPr>
             </a:br>
             <a:r>
-              <a:rPr lang="en-US" sz="2400" dirty="0" smtClean="0"/>
-              <a:t>Advanced logging API</a:t>
+              <a:rPr lang="ru-RU" altLang="ru-RU" sz="2400" dirty="0" err="1">
+                <a:solidFill>
+                  <a:srgbClr val="000000"/>
+                </a:solidFill>
+                <a:latin typeface="+mn-lt"/>
+                <a:cs typeface="Courier New" panose="02070309020205020404" pitchFamily="49" charset="0"/>
+              </a:rPr>
+              <a:t>Advanced</a:t>
+            </a:r>
+            <a:r>
+              <a:rPr lang="ru-RU" altLang="ru-RU" sz="2400" dirty="0">
+                <a:solidFill>
+                  <a:srgbClr val="000000"/>
+                </a:solidFill>
+                <a:latin typeface="+mn-lt"/>
+                <a:cs typeface="Courier New" panose="02070309020205020404" pitchFamily="49" charset="0"/>
+              </a:rPr>
+              <a:t> API </a:t>
+            </a:r>
+            <a:r>
+              <a:rPr lang="ru-RU" altLang="ru-RU" sz="2400" dirty="0" err="1">
+                <a:solidFill>
+                  <a:srgbClr val="000000"/>
+                </a:solidFill>
+                <a:latin typeface="+mn-lt"/>
+                <a:cs typeface="Courier New" panose="02070309020205020404" pitchFamily="49" charset="0"/>
+              </a:rPr>
+              <a:t>overview</a:t>
+            </a:r>
+            <a:r>
+              <a:rPr lang="ru-RU" altLang="ru-RU" sz="2400" dirty="0">
+                <a:solidFill>
+                  <a:srgbClr val="000000"/>
+                </a:solidFill>
+                <a:latin typeface="+mn-lt"/>
+                <a:cs typeface="Courier New" panose="02070309020205020404" pitchFamily="49" charset="0"/>
+              </a:rPr>
+              <a:t> </a:t>
+            </a:r>
+            <a:r>
+              <a:rPr lang="ru-RU" altLang="ru-RU" sz="2400" dirty="0" err="1">
+                <a:solidFill>
+                  <a:srgbClr val="000000"/>
+                </a:solidFill>
+                <a:latin typeface="+mn-lt"/>
+                <a:cs typeface="Courier New" panose="02070309020205020404" pitchFamily="49" charset="0"/>
+              </a:rPr>
+              <a:t>example</a:t>
+            </a:r>
+            <a:r>
+              <a:rPr lang="ru-RU" altLang="ru-RU" sz="2400" dirty="0">
+                <a:solidFill>
+                  <a:srgbClr val="000000"/>
+                </a:solidFill>
+                <a:latin typeface="+mn-lt"/>
+                <a:cs typeface="Courier New" panose="02070309020205020404" pitchFamily="49" charset="0"/>
+              </a:rPr>
+              <a:t> </a:t>
+            </a:r>
+            <a:r>
+              <a:rPr lang="ru-RU" altLang="ru-RU" sz="2400" dirty="0" err="1">
+                <a:solidFill>
+                  <a:srgbClr val="000000"/>
+                </a:solidFill>
+                <a:latin typeface="+mn-lt"/>
+                <a:cs typeface="Courier New" panose="02070309020205020404" pitchFamily="49" charset="0"/>
+              </a:rPr>
+              <a:t>in</a:t>
+            </a:r>
+            <a:r>
+              <a:rPr lang="ru-RU" altLang="ru-RU" sz="2400" dirty="0">
+                <a:solidFill>
+                  <a:srgbClr val="000000"/>
+                </a:solidFill>
+                <a:latin typeface="+mn-lt"/>
+                <a:cs typeface="Courier New" panose="02070309020205020404" pitchFamily="49" charset="0"/>
+              </a:rPr>
+              <a:t> </a:t>
+            </a:r>
+            <a:r>
+              <a:rPr lang="ru-RU" altLang="ru-RU" sz="2400" dirty="0" err="1">
+                <a:solidFill>
+                  <a:srgbClr val="000000"/>
+                </a:solidFill>
+                <a:latin typeface="+mn-lt"/>
+                <a:cs typeface="Courier New" panose="02070309020205020404" pitchFamily="49" charset="0"/>
+              </a:rPr>
+              <a:t>logs</a:t>
+            </a:r>
+            <a:r>
+              <a:rPr lang="ru-RU" altLang="ru-RU" sz="2400" dirty="0">
+                <a:solidFill>
+                  <a:srgbClr val="000000"/>
+                </a:solidFill>
+                <a:latin typeface="+mn-lt"/>
+                <a:cs typeface="Courier New" panose="02070309020205020404" pitchFamily="49" charset="0"/>
+              </a:rPr>
+              <a:t/>
             </a:r>
             <a:br>
-              <a:rPr lang="en-US" sz="2400" dirty="0" smtClean="0"/>
+              <a:rPr lang="ru-RU" altLang="ru-RU" sz="2400" dirty="0">
+                <a:solidFill>
+                  <a:srgbClr val="000000"/>
+                </a:solidFill>
+                <a:latin typeface="+mn-lt"/>
+                <a:cs typeface="Courier New" panose="02070309020205020404" pitchFamily="49" charset="0"/>
+              </a:rPr>
             </a:br>
             <a:r>
-              <a:rPr lang="en-US" sz="2400" smtClean="0"/>
-              <a:t>Log writers(TPT report)</a:t>
+              <a:rPr lang="ru-RU" altLang="ru-RU" sz="2400" dirty="0" smtClean="0">
+                <a:solidFill>
+                  <a:srgbClr val="000000"/>
+                </a:solidFill>
+                <a:latin typeface="+mn-lt"/>
+                <a:cs typeface="Courier New" panose="02070309020205020404" pitchFamily="49" charset="0"/>
+              </a:rPr>
+              <a:t>TPT2 </a:t>
+            </a:r>
+            <a:r>
+              <a:rPr lang="ru-RU" altLang="ru-RU" sz="2400" dirty="0" err="1">
+                <a:solidFill>
+                  <a:srgbClr val="000000"/>
+                </a:solidFill>
+                <a:latin typeface="+mn-lt"/>
+                <a:cs typeface="Courier New" panose="02070309020205020404" pitchFamily="49" charset="0"/>
+              </a:rPr>
+              <a:t>log</a:t>
+            </a:r>
+            <a:r>
+              <a:rPr lang="ru-RU" altLang="ru-RU" sz="2400" dirty="0">
+                <a:solidFill>
+                  <a:srgbClr val="000000"/>
+                </a:solidFill>
+                <a:latin typeface="+mn-lt"/>
+                <a:cs typeface="Courier New" panose="02070309020205020404" pitchFamily="49" charset="0"/>
+              </a:rPr>
+              <a:t> </a:t>
+            </a:r>
+            <a:r>
+              <a:rPr lang="ru-RU" altLang="ru-RU" sz="2400" dirty="0" err="1" smtClean="0">
+                <a:solidFill>
+                  <a:srgbClr val="000000"/>
+                </a:solidFill>
+                <a:latin typeface="+mn-lt"/>
+                <a:cs typeface="Courier New" panose="02070309020205020404" pitchFamily="49" charset="0"/>
+              </a:rPr>
+              <a:t>writer</a:t>
             </a:r>
             <a:endParaRPr lang="ru-RU" sz="2400" dirty="0"/>
+          </a:p>
+        </p:txBody>
+      </p:sp>
+      <p:sp>
+        <p:nvSpPr>
+          <p:cNvPr id="3" name="TextBox 2"/>
+          <p:cNvSpPr txBox="1"/>
+          <p:nvPr/>
+        </p:nvSpPr>
+        <p:spPr>
+          <a:xfrm>
+            <a:off x="603849" y="319177"/>
+            <a:ext cx="11119449" cy="923330"/>
+          </a:xfrm>
+          <a:prstGeom prst="rect">
+            <a:avLst/>
+          </a:prstGeom>
+          <a:noFill/>
+        </p:spPr>
+        <p:txBody>
+          <a:bodyPr wrap="square" rtlCol="0">
+            <a:spAutoFit/>
+          </a:bodyPr>
+          <a:lstStyle/>
+          <a:p>
+            <a:r>
+              <a:rPr lang="en-US" sz="5400" dirty="0" smtClean="0">
+                <a:latin typeface="+mj-lt"/>
+              </a:rPr>
+              <a:t>Topics:</a:t>
+            </a:r>
+            <a:endParaRPr lang="ru-RU" sz="5400" dirty="0">
+              <a:latin typeface="+mj-lt"/>
+            </a:endParaRPr>
           </a:p>
         </p:txBody>
       </p:sp>
@@ -3100,6 +3654,361 @@
     <p:extLst>
       <p:ext uri="{BB962C8B-B14F-4D97-AF65-F5344CB8AC3E}">
         <p14:creationId xmlns:p14="http://schemas.microsoft.com/office/powerpoint/2010/main" val="3741858903"/>
+      </p:ext>
+    </p:extLst>
+  </p:cSld>
+  <p:clrMapOvr>
+    <a:masterClrMapping/>
+  </p:clrMapOvr>
+</p:sld>
+</file>
+
+<file path=ppt/slides/slide3.xml><?xml version="1.0" encoding="utf-8"?>
+<p:sld xmlns:a="http://schemas.openxmlformats.org/drawingml/2006/main" xmlns:r="http://schemas.openxmlformats.org/officeDocument/2006/relationships" xmlns:p="http://schemas.openxmlformats.org/presentationml/2006/main">
+  <p:cSld>
+    <p:spTree>
+      <p:nvGrpSpPr>
+        <p:cNvPr id="1" name=""/>
+        <p:cNvGrpSpPr/>
+        <p:nvPr/>
+      </p:nvGrpSpPr>
+      <p:grpSpPr>
+        <a:xfrm>
+          <a:off x="0" y="0"/>
+          <a:ext cx="0" cy="0"/>
+          <a:chOff x="0" y="0"/>
+          <a:chExt cx="0" cy="0"/>
+        </a:xfrm>
+      </p:grpSpPr>
+      <p:sp>
+        <p:nvSpPr>
+          <p:cNvPr id="2" name="Title 1"/>
+          <p:cNvSpPr>
+            <a:spLocks noGrp="1"/>
+          </p:cNvSpPr>
+          <p:nvPr>
+            <p:ph type="ctrTitle"/>
+          </p:nvPr>
+        </p:nvSpPr>
+        <p:spPr>
+          <a:xfrm>
+            <a:off x="655608" y="1570008"/>
+            <a:ext cx="10903788" cy="4477109"/>
+          </a:xfrm>
+        </p:spPr>
+        <p:txBody>
+          <a:bodyPr anchor="t">
+            <a:normAutofit fontScale="90000"/>
+          </a:bodyPr>
+          <a:lstStyle/>
+          <a:p>
+            <a:pPr lvl="0" algn="l" eaLnBrk="0" fontAlgn="base" hangingPunct="0">
+              <a:lnSpc>
+                <a:spcPct val="100000"/>
+              </a:lnSpc>
+              <a:spcAft>
+                <a:spcPct val="0"/>
+              </a:spcAft>
+            </a:pPr>
+            <a:r>
+              <a:rPr lang="en-US" sz="2400" dirty="0" smtClean="0"/>
+              <a:t>Common VM </a:t>
+            </a:r>
+            <a:r>
+              <a:rPr lang="en-US" sz="2400" dirty="0" err="1" smtClean="0"/>
+              <a:t>args</a:t>
+            </a:r>
+            <a:r>
+              <a:rPr lang="en-US" sz="2400" dirty="0" smtClean="0"/>
+              <a:t>:</a:t>
+            </a:r>
+            <a:br>
+              <a:rPr lang="en-US" sz="2400" dirty="0" smtClean="0"/>
+            </a:br>
+            <a:r>
+              <a:rPr lang="en-US" sz="2400" dirty="0" smtClean="0"/>
+              <a:t/>
+            </a:r>
+            <a:br>
+              <a:rPr lang="en-US" sz="2400" dirty="0" smtClean="0"/>
+            </a:br>
+            <a:r>
+              <a:rPr lang="en-US" sz="2400" dirty="0" smtClean="0"/>
+              <a:t>-</a:t>
+            </a:r>
+            <a:r>
+              <a:rPr lang="en-US" sz="2400" dirty="0" err="1" smtClean="0"/>
+              <a:t>Ddmxroot</a:t>
+            </a:r>
+            <a:r>
+              <a:rPr lang="en-US" sz="2400" dirty="0" smtClean="0"/>
+              <a:t>=${</a:t>
+            </a:r>
+            <a:r>
+              <a:rPr lang="en-US" sz="2400" dirty="0" err="1" smtClean="0"/>
+              <a:t>workspace_loc:bsp-testcases</a:t>
+            </a:r>
+            <a:r>
+              <a:rPr lang="en-US" sz="2400" dirty="0" smtClean="0"/>
+              <a:t>} – project root</a:t>
+            </a:r>
+            <a:br>
+              <a:rPr lang="en-US" sz="2400" dirty="0" smtClean="0"/>
+            </a:br>
+            <a:r>
+              <a:rPr lang="en-US" sz="2400" dirty="0" smtClean="0"/>
+              <a:t>-</a:t>
+            </a:r>
+            <a:r>
+              <a:rPr lang="en-US" sz="2400" dirty="0" err="1" smtClean="0"/>
+              <a:t>Dlogdir</a:t>
+            </a:r>
+            <a:r>
+              <a:rPr lang="en-US" sz="2400" dirty="0" smtClean="0"/>
+              <a:t>=/home/</a:t>
+            </a:r>
+            <a:r>
+              <a:rPr lang="en-US" sz="2400" dirty="0" err="1" smtClean="0"/>
+              <a:t>xalrmav</a:t>
+            </a:r>
+            <a:r>
+              <a:rPr lang="en-US" sz="2400" dirty="0" smtClean="0"/>
+              <a:t>/</a:t>
+            </a:r>
+            <a:r>
+              <a:rPr lang="en-US" sz="2400" dirty="0" err="1" smtClean="0"/>
+              <a:t>jcatlogs</a:t>
+            </a:r>
+            <a:r>
+              <a:rPr lang="en-US" sz="2400" dirty="0" smtClean="0"/>
+              <a:t> – log directory path</a:t>
+            </a:r>
+            <a:br>
+              <a:rPr lang="en-US" sz="2400" dirty="0" smtClean="0"/>
+            </a:br>
+            <a:r>
+              <a:rPr lang="en-US" sz="2400" dirty="0" smtClean="0"/>
+              <a:t>-</a:t>
+            </a:r>
+            <a:r>
+              <a:rPr lang="en-US" sz="2400" dirty="0" err="1" smtClean="0"/>
+              <a:t>Djcat.logging</a:t>
+            </a:r>
+            <a:r>
+              <a:rPr lang="en-US" sz="2400" dirty="0" smtClean="0"/>
+              <a:t>=trace – log level</a:t>
+            </a:r>
+            <a:br>
+              <a:rPr lang="en-US" sz="2400" dirty="0" smtClean="0"/>
+            </a:br>
+            <a:r>
+              <a:rPr lang="en-US" sz="2400" dirty="0" smtClean="0"/>
+              <a:t>-</a:t>
+            </a:r>
+            <a:r>
+              <a:rPr lang="en-US" sz="2400" dirty="0" err="1" smtClean="0"/>
+              <a:t>Dname</a:t>
+            </a:r>
+            <a:r>
+              <a:rPr lang="en-US" sz="2400" dirty="0" smtClean="0"/>
+              <a:t>="</a:t>
+            </a:r>
+            <a:r>
+              <a:rPr lang="en-US" sz="2400" dirty="0" err="1" smtClean="0"/>
+              <a:t>ft_suite</a:t>
+            </a:r>
+            <a:r>
+              <a:rPr lang="en-US" sz="2400" dirty="0" smtClean="0"/>
+              <a:t>“ – intermediate directory path</a:t>
+            </a:r>
+            <a:br>
+              <a:rPr lang="en-US" sz="2400" dirty="0" smtClean="0"/>
+            </a:br>
+            <a:r>
+              <a:rPr lang="en-US" sz="2400" dirty="0" smtClean="0"/>
+              <a:t>-</a:t>
+            </a:r>
+            <a:r>
+              <a:rPr lang="en-US" sz="2400" dirty="0" err="1" smtClean="0"/>
+              <a:t>DProtocolLog</a:t>
+            </a:r>
+            <a:r>
+              <a:rPr lang="en-US" sz="2400" dirty="0" smtClean="0"/>
+              <a:t>=true –  enables protocol logger+</a:t>
+            </a:r>
+            <a:br>
+              <a:rPr lang="en-US" sz="2400" dirty="0" smtClean="0"/>
+            </a:br>
+            <a:r>
+              <a:rPr lang="en-US" sz="2400" dirty="0" smtClean="0"/>
+              <a:t>-Dtpt.info=true –  enables TPT2 report generation (listener </a:t>
+            </a:r>
+            <a:r>
+              <a:rPr lang="ru-RU" altLang="ru-RU" sz="1800" dirty="0">
+                <a:solidFill>
+                  <a:srgbClr val="000000"/>
+                </a:solidFill>
+                <a:latin typeface="Courier New" panose="02070309020205020404" pitchFamily="49" charset="0"/>
+                <a:ea typeface="+mn-ea"/>
+                <a:cs typeface="Courier New" panose="02070309020205020404" pitchFamily="49" charset="0"/>
+              </a:rPr>
+              <a:t>&lt;</a:t>
+            </a:r>
+            <a:r>
+              <a:rPr lang="ru-RU" altLang="ru-RU" sz="1800" b="1" dirty="0" err="1">
+                <a:solidFill>
+                  <a:srgbClr val="000080"/>
+                </a:solidFill>
+                <a:latin typeface="Courier New" panose="02070309020205020404" pitchFamily="49" charset="0"/>
+                <a:ea typeface="+mn-ea"/>
+                <a:cs typeface="Courier New" panose="02070309020205020404" pitchFamily="49" charset="0"/>
+              </a:rPr>
+              <a:t>listener</a:t>
+            </a:r>
+            <a:r>
+              <a:rPr lang="ru-RU" altLang="ru-RU" sz="1800" b="1" dirty="0">
+                <a:solidFill>
+                  <a:srgbClr val="000080"/>
+                </a:solidFill>
+                <a:latin typeface="Courier New" panose="02070309020205020404" pitchFamily="49" charset="0"/>
+                <a:ea typeface="+mn-ea"/>
+                <a:cs typeface="Courier New" panose="02070309020205020404" pitchFamily="49" charset="0"/>
+              </a:rPr>
+              <a:t> </a:t>
+            </a:r>
+            <a:r>
+              <a:rPr lang="ru-RU" altLang="ru-RU" sz="1800" b="1" dirty="0" err="1">
+                <a:solidFill>
+                  <a:srgbClr val="0000FF"/>
+                </a:solidFill>
+                <a:latin typeface="Courier New" panose="02070309020205020404" pitchFamily="49" charset="0"/>
+                <a:ea typeface="+mn-ea"/>
+                <a:cs typeface="Courier New" panose="02070309020205020404" pitchFamily="49" charset="0"/>
+              </a:rPr>
+              <a:t>class-name</a:t>
+            </a:r>
+            <a:r>
+              <a:rPr lang="ru-RU" altLang="ru-RU" sz="1800" b="1" dirty="0">
+                <a:solidFill>
+                  <a:srgbClr val="008000"/>
+                </a:solidFill>
+                <a:latin typeface="Courier New" panose="02070309020205020404" pitchFamily="49" charset="0"/>
+                <a:ea typeface="+mn-ea"/>
+                <a:cs typeface="Courier New" panose="02070309020205020404" pitchFamily="49" charset="0"/>
+              </a:rPr>
+              <a:t>="se.ericsson.jcat.bsp.logwriters.BSPTpt2LogWriter" </a:t>
+            </a:r>
+            <a:r>
+              <a:rPr lang="ru-RU" altLang="ru-RU" sz="1800" dirty="0" smtClean="0">
+                <a:solidFill>
+                  <a:srgbClr val="000000"/>
+                </a:solidFill>
+                <a:latin typeface="Courier New" panose="02070309020205020404" pitchFamily="49" charset="0"/>
+                <a:ea typeface="+mn-ea"/>
+                <a:cs typeface="Courier New" panose="02070309020205020404" pitchFamily="49" charset="0"/>
+              </a:rPr>
+              <a:t>/&gt;</a:t>
+            </a:r>
+            <a:r>
+              <a:rPr lang="en-US" sz="2400" dirty="0" smtClean="0"/>
+              <a:t>declaration is also needed)</a:t>
+            </a:r>
+            <a:br>
+              <a:rPr lang="en-US" sz="2400" dirty="0" smtClean="0"/>
+            </a:br>
+            <a:r>
+              <a:rPr lang="en-US" sz="2400" dirty="0" smtClean="0"/>
+              <a:t/>
+            </a:r>
+            <a:br>
+              <a:rPr lang="en-US" sz="2400" dirty="0" smtClean="0"/>
+            </a:br>
+            <a:r>
+              <a:rPr lang="en-US" sz="2400" dirty="0" smtClean="0"/>
+              <a:t>Bsp specific VM </a:t>
+            </a:r>
+            <a:r>
+              <a:rPr lang="en-US" sz="2400" dirty="0" err="1" smtClean="0"/>
+              <a:t>args</a:t>
+            </a:r>
+            <a:r>
+              <a:rPr lang="en-US" sz="2400" dirty="0" smtClean="0"/>
+              <a:t>:</a:t>
+            </a:r>
+            <a:br>
+              <a:rPr lang="en-US" sz="2400" dirty="0" smtClean="0"/>
+            </a:br>
+            <a:r>
+              <a:rPr lang="en-US" sz="2400" dirty="0" smtClean="0"/>
+              <a:t>-</a:t>
+            </a:r>
+            <a:r>
+              <a:rPr lang="en-US" sz="2400" dirty="0" err="1" smtClean="0"/>
+              <a:t>Decim.log.level</a:t>
+            </a:r>
+            <a:r>
+              <a:rPr lang="en-US" sz="2400" dirty="0" smtClean="0"/>
+              <a:t>=trace – </a:t>
+            </a:r>
+            <a:r>
+              <a:rPr lang="en-US" sz="2400" dirty="0" err="1" smtClean="0"/>
+              <a:t>ecim</a:t>
+            </a:r>
+            <a:r>
+              <a:rPr lang="en-US" sz="2400" dirty="0" smtClean="0"/>
+              <a:t> log level</a:t>
+            </a:r>
+            <a:br>
+              <a:rPr lang="en-US" sz="2400" dirty="0" smtClean="0"/>
+            </a:br>
+            <a:endParaRPr lang="ru-RU" sz="2400" dirty="0"/>
+          </a:p>
+        </p:txBody>
+      </p:sp>
+      <p:sp>
+        <p:nvSpPr>
+          <p:cNvPr id="3" name="TextBox 2"/>
+          <p:cNvSpPr txBox="1"/>
+          <p:nvPr/>
+        </p:nvSpPr>
+        <p:spPr>
+          <a:xfrm>
+            <a:off x="603849" y="319177"/>
+            <a:ext cx="11119449" cy="923330"/>
+          </a:xfrm>
+          <a:prstGeom prst="rect">
+            <a:avLst/>
+          </a:prstGeom>
+          <a:noFill/>
+        </p:spPr>
+        <p:txBody>
+          <a:bodyPr wrap="square" rtlCol="0">
+            <a:spAutoFit/>
+          </a:bodyPr>
+          <a:lstStyle/>
+          <a:p>
+            <a:r>
+              <a:rPr lang="en-US" sz="5400" dirty="0" smtClean="0">
+                <a:latin typeface="+mj-lt"/>
+              </a:rPr>
+              <a:t>Log related VM </a:t>
+            </a:r>
+            <a:r>
+              <a:rPr lang="en-US" sz="5400" dirty="0" err="1" smtClean="0">
+                <a:latin typeface="+mj-lt"/>
+              </a:rPr>
+              <a:t>args</a:t>
+            </a:r>
+            <a:endParaRPr lang="ru-RU" sz="5400" dirty="0">
+              <a:latin typeface="+mj-lt"/>
+            </a:endParaRPr>
+          </a:p>
+        </p:txBody>
+      </p:sp>
+    </p:spTree>
+    <p:extLst>
+      <p:ext uri="{BB962C8B-B14F-4D97-AF65-F5344CB8AC3E}">
+        <p14:creationId xmlns:p14="http://schemas.microsoft.com/office/powerpoint/2010/main" val="3906977453"/>
       </p:ext>
     </p:extLst>
   </p:cSld>
